--- a/drawings/coordinates_forSim.pptx
+++ b/drawings/coordinates_forSim.pptx
@@ -5,7 +5,7 @@
     <p:sldMasterId id="2147483672" r:id="rId1"/>
   </p:sldMasterIdLst>
   <p:notesMasterIdLst>
-    <p:notesMasterId r:id="rId9"/>
+    <p:notesMasterId r:id="rId10"/>
   </p:notesMasterIdLst>
   <p:sldIdLst>
     <p:sldId id="257" r:id="rId2"/>
@@ -15,6 +15,7 @@
     <p:sldId id="263" r:id="rId6"/>
     <p:sldId id="265" r:id="rId7"/>
     <p:sldId id="266" r:id="rId8"/>
+    <p:sldId id="267" r:id="rId9"/>
   </p:sldIdLst>
   <p:sldSz cx="12192000" cy="14630400"/>
   <p:notesSz cx="6858000" cy="9144000"/>
@@ -203,7 +204,7 @@
           <a:p>
             <a:fld id="{A9B54E44-7744-D649-A13C-3FE4F412E222}" type="datetimeFigureOut">
               <a:rPr lang="en-US" smtClean="0"/>
-              <a:t>7/20/20</a:t>
+              <a:t>2/23/21</a:t>
             </a:fld>
             <a:endParaRPr lang="en-US"/>
           </a:p>
@@ -685,7 +686,7 @@
           <a:p>
             <a:fld id="{A258C239-283F-F048-A3A3-B0A692C65F26}" type="datetimeFigureOut">
               <a:rPr lang="en-US" smtClean="0"/>
-              <a:t>7/20/20</a:t>
+              <a:t>2/23/21</a:t>
             </a:fld>
             <a:endParaRPr lang="en-US"/>
           </a:p>
@@ -855,7 +856,7 @@
           <a:p>
             <a:fld id="{A258C239-283F-F048-A3A3-B0A692C65F26}" type="datetimeFigureOut">
               <a:rPr lang="en-US" smtClean="0"/>
-              <a:t>7/20/20</a:t>
+              <a:t>2/23/21</a:t>
             </a:fld>
             <a:endParaRPr lang="en-US"/>
           </a:p>
@@ -1035,7 +1036,7 @@
           <a:p>
             <a:fld id="{A258C239-283F-F048-A3A3-B0A692C65F26}" type="datetimeFigureOut">
               <a:rPr lang="en-US" smtClean="0"/>
-              <a:t>7/20/20</a:t>
+              <a:t>2/23/21</a:t>
             </a:fld>
             <a:endParaRPr lang="en-US"/>
           </a:p>
@@ -1205,7 +1206,7 @@
           <a:p>
             <a:fld id="{A258C239-283F-F048-A3A3-B0A692C65F26}" type="datetimeFigureOut">
               <a:rPr lang="en-US" smtClean="0"/>
-              <a:t>7/20/20</a:t>
+              <a:t>2/23/21</a:t>
             </a:fld>
             <a:endParaRPr lang="en-US"/>
           </a:p>
@@ -1449,7 +1450,7 @@
           <a:p>
             <a:fld id="{A258C239-283F-F048-A3A3-B0A692C65F26}" type="datetimeFigureOut">
               <a:rPr lang="en-US" smtClean="0"/>
-              <a:t>7/20/20</a:t>
+              <a:t>2/23/21</a:t>
             </a:fld>
             <a:endParaRPr lang="en-US"/>
           </a:p>
@@ -1681,7 +1682,7 @@
           <a:p>
             <a:fld id="{A258C239-283F-F048-A3A3-B0A692C65F26}" type="datetimeFigureOut">
               <a:rPr lang="en-US" smtClean="0"/>
-              <a:t>7/20/20</a:t>
+              <a:t>2/23/21</a:t>
             </a:fld>
             <a:endParaRPr lang="en-US"/>
           </a:p>
@@ -2048,7 +2049,7 @@
           <a:p>
             <a:fld id="{A258C239-283F-F048-A3A3-B0A692C65F26}" type="datetimeFigureOut">
               <a:rPr lang="en-US" smtClean="0"/>
-              <a:t>7/20/20</a:t>
+              <a:t>2/23/21</a:t>
             </a:fld>
             <a:endParaRPr lang="en-US"/>
           </a:p>
@@ -2166,7 +2167,7 @@
           <a:p>
             <a:fld id="{A258C239-283F-F048-A3A3-B0A692C65F26}" type="datetimeFigureOut">
               <a:rPr lang="en-US" smtClean="0"/>
-              <a:t>7/20/20</a:t>
+              <a:t>2/23/21</a:t>
             </a:fld>
             <a:endParaRPr lang="en-US"/>
           </a:p>
@@ -2261,7 +2262,7 @@
           <a:p>
             <a:fld id="{A258C239-283F-F048-A3A3-B0A692C65F26}" type="datetimeFigureOut">
               <a:rPr lang="en-US" smtClean="0"/>
-              <a:t>7/20/20</a:t>
+              <a:t>2/23/21</a:t>
             </a:fld>
             <a:endParaRPr lang="en-US"/>
           </a:p>
@@ -2538,7 +2539,7 @@
           <a:p>
             <a:fld id="{A258C239-283F-F048-A3A3-B0A692C65F26}" type="datetimeFigureOut">
               <a:rPr lang="en-US" smtClean="0"/>
-              <a:t>7/20/20</a:t>
+              <a:t>2/23/21</a:t>
             </a:fld>
             <a:endParaRPr lang="en-US"/>
           </a:p>
@@ -2795,7 +2796,7 @@
           <a:p>
             <a:fld id="{A258C239-283F-F048-A3A3-B0A692C65F26}" type="datetimeFigureOut">
               <a:rPr lang="en-US" smtClean="0"/>
-              <a:t>7/20/20</a:t>
+              <a:t>2/23/21</a:t>
             </a:fld>
             <a:endParaRPr lang="en-US"/>
           </a:p>
@@ -3008,7 +3009,7 @@
           <a:p>
             <a:fld id="{A258C239-283F-F048-A3A3-B0A692C65F26}" type="datetimeFigureOut">
               <a:rPr lang="en-US" smtClean="0"/>
-              <a:t>7/20/20</a:t>
+              <a:t>2/23/21</a:t>
             </a:fld>
             <a:endParaRPr lang="en-US"/>
           </a:p>
@@ -18438,8 +18439,8 @@
           </a:fontRef>
         </p:style>
       </p:cxnSp>
-      <mc:AlternateContent xmlns:mc="http://schemas.openxmlformats.org/markup-compatibility/2006">
-        <mc:Choice xmlns:a14="http://schemas.microsoft.com/office/drawing/2010/main" Requires="a14">
+      <mc:AlternateContent xmlns:mc="http://schemas.openxmlformats.org/markup-compatibility/2006" xmlns:a14="http://schemas.microsoft.com/office/drawing/2010/main">
+        <mc:Choice Requires="a14">
           <p:sp>
             <p:nvSpPr>
               <p:cNvPr id="153" name="TextBox 152">
@@ -18540,7 +18541,7 @@
             </p:txBody>
           </p:sp>
         </mc:Choice>
-        <mc:Fallback>
+        <mc:Fallback xmlns="">
           <p:sp>
             <p:nvSpPr>
               <p:cNvPr id="153" name="TextBox 152">
@@ -24168,6 +24169,1037 @@
     <p:extLst>
       <p:ext uri="{BB962C8B-B14F-4D97-AF65-F5344CB8AC3E}">
         <p14:creationId xmlns:p14="http://schemas.microsoft.com/office/powerpoint/2010/main" val="3959346423"/>
+      </p:ext>
+    </p:extLst>
+  </p:cSld>
+  <p:clrMapOvr>
+    <a:masterClrMapping/>
+  </p:clrMapOvr>
+</p:sld>
+</file>
+
+<file path=ppt/slides/slide8.xml><?xml version="1.0" encoding="utf-8"?>
+<p:sld xmlns:a="http://schemas.openxmlformats.org/drawingml/2006/main" xmlns:r="http://schemas.openxmlformats.org/officeDocument/2006/relationships" xmlns:p="http://schemas.openxmlformats.org/presentationml/2006/main">
+  <p:cSld>
+    <p:spTree>
+      <p:nvGrpSpPr>
+        <p:cNvPr id="1" name=""/>
+        <p:cNvGrpSpPr/>
+        <p:nvPr/>
+      </p:nvGrpSpPr>
+      <p:grpSpPr>
+        <a:xfrm>
+          <a:off x="0" y="0"/>
+          <a:ext cx="0" cy="0"/>
+          <a:chOff x="0" y="0"/>
+          <a:chExt cx="0" cy="0"/>
+        </a:xfrm>
+      </p:grpSpPr>
+      <p:pic>
+        <p:nvPicPr>
+          <p:cNvPr id="21" name="Picture 20">
+            <a:extLst>
+              <a:ext uri="{FF2B5EF4-FFF2-40B4-BE49-F238E27FC236}">
+                <a16:creationId xmlns:a16="http://schemas.microsoft.com/office/drawing/2014/main" id="{84329ED1-975A-9646-9447-1068A93F71BD}"/>
+              </a:ext>
+            </a:extLst>
+          </p:cNvPr>
+          <p:cNvPicPr>
+            <a:picLocks noChangeAspect="1"/>
+          </p:cNvPicPr>
+          <p:nvPr/>
+        </p:nvPicPr>
+        <p:blipFill>
+          <a:blip r:embed="rId2"/>
+          <a:stretch>
+            <a:fillRect/>
+          </a:stretch>
+        </p:blipFill>
+        <p:spPr>
+          <a:xfrm>
+            <a:off x="-57606" y="2199785"/>
+            <a:ext cx="12249606" cy="8849214"/>
+          </a:xfrm>
+          <a:prstGeom prst="rect">
+            <a:avLst/>
+          </a:prstGeom>
+        </p:spPr>
+      </p:pic>
+      <p:grpSp>
+        <p:nvGrpSpPr>
+          <p:cNvPr id="4" name="Group 3">
+            <a:extLst>
+              <a:ext uri="{FF2B5EF4-FFF2-40B4-BE49-F238E27FC236}">
+                <a16:creationId xmlns:a16="http://schemas.microsoft.com/office/drawing/2014/main" id="{9BB3B5FA-2471-A44A-A2E4-BF80E90EB60D}"/>
+              </a:ext>
+            </a:extLst>
+          </p:cNvPr>
+          <p:cNvGrpSpPr/>
+          <p:nvPr/>
+        </p:nvGrpSpPr>
+        <p:grpSpPr>
+          <a:xfrm>
+            <a:off x="5835422" y="3987236"/>
+            <a:ext cx="463550" cy="393700"/>
+            <a:chOff x="6013183" y="3111500"/>
+            <a:chExt cx="463550" cy="393700"/>
+          </a:xfrm>
+          <a:solidFill>
+            <a:srgbClr val="FF0000"/>
+          </a:solidFill>
+        </p:grpSpPr>
+        <p:sp>
+          <p:nvSpPr>
+            <p:cNvPr id="5" name="Oval 4">
+              <a:extLst>
+                <a:ext uri="{FF2B5EF4-FFF2-40B4-BE49-F238E27FC236}">
+                  <a16:creationId xmlns:a16="http://schemas.microsoft.com/office/drawing/2014/main" id="{4DF76CD4-F192-2845-9156-0FF40EE3E70E}"/>
+                </a:ext>
+              </a:extLst>
+            </p:cNvPr>
+            <p:cNvSpPr>
+              <a:spLocks noChangeAspect="1"/>
+            </p:cNvSpPr>
+            <p:nvPr/>
+          </p:nvSpPr>
+          <p:spPr>
+            <a:xfrm>
+              <a:off x="6178283" y="3263290"/>
+              <a:ext cx="91440" cy="91440"/>
+            </a:xfrm>
+            <a:prstGeom prst="ellipse">
+              <a:avLst/>
+            </a:prstGeom>
+            <a:grpFill/>
+            <a:ln w="25400">
+              <a:solidFill>
+                <a:srgbClr val="FF0000"/>
+              </a:solidFill>
+            </a:ln>
+          </p:spPr>
+          <p:style>
+            <a:lnRef idx="2">
+              <a:schemeClr val="accent1">
+                <a:shade val="50000"/>
+              </a:schemeClr>
+            </a:lnRef>
+            <a:fillRef idx="1">
+              <a:schemeClr val="accent1"/>
+            </a:fillRef>
+            <a:effectRef idx="0">
+              <a:schemeClr val="accent1"/>
+            </a:effectRef>
+            <a:fontRef idx="minor">
+              <a:schemeClr val="lt1"/>
+            </a:fontRef>
+          </p:style>
+          <p:txBody>
+            <a:bodyPr rtlCol="0" anchor="ctr"/>
+            <a:lstStyle/>
+            <a:p>
+              <a:pPr algn="ctr"/>
+              <a:endParaRPr lang="en-US"/>
+            </a:p>
+          </p:txBody>
+        </p:sp>
+        <p:cxnSp>
+          <p:nvCxnSpPr>
+            <p:cNvPr id="6" name="Straight Connector 5">
+              <a:extLst>
+                <a:ext uri="{FF2B5EF4-FFF2-40B4-BE49-F238E27FC236}">
+                  <a16:creationId xmlns:a16="http://schemas.microsoft.com/office/drawing/2014/main" id="{210490CA-812E-274A-BBDF-66AC8AE0FF94}"/>
+                </a:ext>
+              </a:extLst>
+            </p:cNvPr>
+            <p:cNvCxnSpPr>
+              <a:cxnSpLocks/>
+            </p:cNvCxnSpPr>
+            <p:nvPr/>
+          </p:nvCxnSpPr>
+          <p:spPr>
+            <a:xfrm>
+              <a:off x="6219201" y="3111500"/>
+              <a:ext cx="0" cy="393700"/>
+            </a:xfrm>
+            <a:prstGeom prst="line">
+              <a:avLst/>
+            </a:prstGeom>
+            <a:grpFill/>
+            <a:ln w="25400">
+              <a:solidFill>
+                <a:srgbClr val="FF0000"/>
+              </a:solidFill>
+            </a:ln>
+          </p:spPr>
+          <p:style>
+            <a:lnRef idx="1">
+              <a:schemeClr val="accent1"/>
+            </a:lnRef>
+            <a:fillRef idx="0">
+              <a:schemeClr val="accent1"/>
+            </a:fillRef>
+            <a:effectRef idx="0">
+              <a:schemeClr val="accent1"/>
+            </a:effectRef>
+            <a:fontRef idx="minor">
+              <a:schemeClr val="tx1"/>
+            </a:fontRef>
+          </p:style>
+        </p:cxnSp>
+        <p:cxnSp>
+          <p:nvCxnSpPr>
+            <p:cNvPr id="7" name="Straight Connector 6">
+              <a:extLst>
+                <a:ext uri="{FF2B5EF4-FFF2-40B4-BE49-F238E27FC236}">
+                  <a16:creationId xmlns:a16="http://schemas.microsoft.com/office/drawing/2014/main" id="{D81E0E85-B975-1248-A3AA-A59F0BB924B0}"/>
+                </a:ext>
+              </a:extLst>
+            </p:cNvPr>
+            <p:cNvCxnSpPr>
+              <a:cxnSpLocks/>
+            </p:cNvCxnSpPr>
+            <p:nvPr/>
+          </p:nvCxnSpPr>
+          <p:spPr>
+            <a:xfrm>
+              <a:off x="6013183" y="3308350"/>
+              <a:ext cx="463550" cy="0"/>
+            </a:xfrm>
+            <a:prstGeom prst="line">
+              <a:avLst/>
+            </a:prstGeom>
+            <a:grpFill/>
+            <a:ln w="25400">
+              <a:solidFill>
+                <a:srgbClr val="FF0000"/>
+              </a:solidFill>
+            </a:ln>
+          </p:spPr>
+          <p:style>
+            <a:lnRef idx="1">
+              <a:schemeClr val="accent1"/>
+            </a:lnRef>
+            <a:fillRef idx="0">
+              <a:schemeClr val="accent1"/>
+            </a:fillRef>
+            <a:effectRef idx="0">
+              <a:schemeClr val="accent1"/>
+            </a:effectRef>
+            <a:fontRef idx="minor">
+              <a:schemeClr val="tx1"/>
+            </a:fontRef>
+          </p:style>
+        </p:cxnSp>
+      </p:grpSp>
+      <p:grpSp>
+        <p:nvGrpSpPr>
+          <p:cNvPr id="8" name="Group 7">
+            <a:extLst>
+              <a:ext uri="{FF2B5EF4-FFF2-40B4-BE49-F238E27FC236}">
+                <a16:creationId xmlns:a16="http://schemas.microsoft.com/office/drawing/2014/main" id="{8CD2B92C-2282-A845-893C-AAC177901176}"/>
+              </a:ext>
+            </a:extLst>
+          </p:cNvPr>
+          <p:cNvGrpSpPr>
+            <a:grpSpLocks noChangeAspect="1"/>
+          </p:cNvGrpSpPr>
+          <p:nvPr/>
+        </p:nvGrpSpPr>
+        <p:grpSpPr>
+          <a:xfrm>
+            <a:off x="7392356" y="3940198"/>
+            <a:ext cx="580835" cy="487776"/>
+            <a:chOff x="6013183" y="3111500"/>
+            <a:chExt cx="463550" cy="393700"/>
+          </a:xfrm>
+          <a:solidFill>
+            <a:srgbClr val="7030A0"/>
+          </a:solidFill>
+        </p:grpSpPr>
+        <p:sp>
+          <p:nvSpPr>
+            <p:cNvPr id="9" name="Oval 8">
+              <a:extLst>
+                <a:ext uri="{FF2B5EF4-FFF2-40B4-BE49-F238E27FC236}">
+                  <a16:creationId xmlns:a16="http://schemas.microsoft.com/office/drawing/2014/main" id="{6595A651-C087-9B4C-ABC5-F61D6C2CD7BE}"/>
+                </a:ext>
+              </a:extLst>
+            </p:cNvPr>
+            <p:cNvSpPr>
+              <a:spLocks noChangeAspect="1"/>
+            </p:cNvSpPr>
+            <p:nvPr/>
+          </p:nvSpPr>
+          <p:spPr>
+            <a:xfrm>
+              <a:off x="6178283" y="3263290"/>
+              <a:ext cx="91440" cy="91440"/>
+            </a:xfrm>
+            <a:prstGeom prst="ellipse">
+              <a:avLst/>
+            </a:prstGeom>
+            <a:solidFill>
+              <a:srgbClr val="7030A0"/>
+            </a:solidFill>
+            <a:ln w="25400">
+              <a:solidFill>
+                <a:srgbClr val="7030A0"/>
+              </a:solidFill>
+            </a:ln>
+          </p:spPr>
+          <p:style>
+            <a:lnRef idx="2">
+              <a:schemeClr val="accent1">
+                <a:shade val="50000"/>
+              </a:schemeClr>
+            </a:lnRef>
+            <a:fillRef idx="1">
+              <a:schemeClr val="accent1"/>
+            </a:fillRef>
+            <a:effectRef idx="0">
+              <a:schemeClr val="accent1"/>
+            </a:effectRef>
+            <a:fontRef idx="minor">
+              <a:schemeClr val="lt1"/>
+            </a:fontRef>
+          </p:style>
+          <p:txBody>
+            <a:bodyPr rtlCol="0" anchor="ctr"/>
+            <a:lstStyle/>
+            <a:p>
+              <a:pPr algn="ctr"/>
+              <a:endParaRPr lang="en-US"/>
+            </a:p>
+          </p:txBody>
+        </p:sp>
+        <p:cxnSp>
+          <p:nvCxnSpPr>
+            <p:cNvPr id="10" name="Straight Connector 9">
+              <a:extLst>
+                <a:ext uri="{FF2B5EF4-FFF2-40B4-BE49-F238E27FC236}">
+                  <a16:creationId xmlns:a16="http://schemas.microsoft.com/office/drawing/2014/main" id="{04B42413-798F-BC4A-8458-F6EDAEC903A8}"/>
+                </a:ext>
+              </a:extLst>
+            </p:cNvPr>
+            <p:cNvCxnSpPr>
+              <a:cxnSpLocks/>
+            </p:cNvCxnSpPr>
+            <p:nvPr/>
+          </p:nvCxnSpPr>
+          <p:spPr>
+            <a:xfrm>
+              <a:off x="6219201" y="3111500"/>
+              <a:ext cx="0" cy="393700"/>
+            </a:xfrm>
+            <a:prstGeom prst="line">
+              <a:avLst/>
+            </a:prstGeom>
+            <a:grpFill/>
+            <a:ln w="25400">
+              <a:solidFill>
+                <a:srgbClr val="7030A0"/>
+              </a:solidFill>
+            </a:ln>
+          </p:spPr>
+          <p:style>
+            <a:lnRef idx="1">
+              <a:schemeClr val="accent1"/>
+            </a:lnRef>
+            <a:fillRef idx="0">
+              <a:schemeClr val="accent1"/>
+            </a:fillRef>
+            <a:effectRef idx="0">
+              <a:schemeClr val="accent1"/>
+            </a:effectRef>
+            <a:fontRef idx="minor">
+              <a:schemeClr val="tx1"/>
+            </a:fontRef>
+          </p:style>
+        </p:cxnSp>
+        <p:cxnSp>
+          <p:nvCxnSpPr>
+            <p:cNvPr id="11" name="Straight Connector 10">
+              <a:extLst>
+                <a:ext uri="{FF2B5EF4-FFF2-40B4-BE49-F238E27FC236}">
+                  <a16:creationId xmlns:a16="http://schemas.microsoft.com/office/drawing/2014/main" id="{AF31B26F-202E-8248-B75C-CA82DAB8AB65}"/>
+                </a:ext>
+              </a:extLst>
+            </p:cNvPr>
+            <p:cNvCxnSpPr>
+              <a:cxnSpLocks/>
+            </p:cNvCxnSpPr>
+            <p:nvPr/>
+          </p:nvCxnSpPr>
+          <p:spPr>
+            <a:xfrm>
+              <a:off x="6013183" y="3308350"/>
+              <a:ext cx="463550" cy="0"/>
+            </a:xfrm>
+            <a:prstGeom prst="line">
+              <a:avLst/>
+            </a:prstGeom>
+            <a:grpFill/>
+            <a:ln w="25400">
+              <a:solidFill>
+                <a:srgbClr val="7030A0"/>
+              </a:solidFill>
+            </a:ln>
+          </p:spPr>
+          <p:style>
+            <a:lnRef idx="1">
+              <a:schemeClr val="accent1"/>
+            </a:lnRef>
+            <a:fillRef idx="0">
+              <a:schemeClr val="accent1"/>
+            </a:fillRef>
+            <a:effectRef idx="0">
+              <a:schemeClr val="accent1"/>
+            </a:effectRef>
+            <a:fontRef idx="minor">
+              <a:schemeClr val="tx1"/>
+            </a:fontRef>
+          </p:style>
+        </p:cxnSp>
+      </p:grpSp>
+      <p:sp>
+        <p:nvSpPr>
+          <p:cNvPr id="12" name="TextBox 11">
+            <a:extLst>
+              <a:ext uri="{FF2B5EF4-FFF2-40B4-BE49-F238E27FC236}">
+                <a16:creationId xmlns:a16="http://schemas.microsoft.com/office/drawing/2014/main" id="{3A701D97-D802-0E43-8A28-D862484F80BE}"/>
+              </a:ext>
+            </a:extLst>
+          </p:cNvPr>
+          <p:cNvSpPr txBox="1"/>
+          <p:nvPr/>
+        </p:nvSpPr>
+        <p:spPr>
+          <a:xfrm>
+            <a:off x="208157" y="11288738"/>
+            <a:ext cx="11983843" cy="3354765"/>
+          </a:xfrm>
+          <a:prstGeom prst="rect">
+            <a:avLst/>
+          </a:prstGeom>
+          <a:noFill/>
+        </p:spPr>
+        <p:txBody>
+          <a:bodyPr wrap="square" rtlCol="0">
+            <a:spAutoFit/>
+          </a:bodyPr>
+          <a:lstStyle/>
+          <a:p>
+            <a:r>
+              <a:rPr lang="en-US" sz="3200" dirty="0"/>
+              <a:t>This is with the view rotated to 17.92 degrees, looking along the LMFE</a:t>
+            </a:r>
+          </a:p>
+          <a:p>
+            <a:r>
+              <a:rPr lang="en-US" sz="3200" dirty="0"/>
+              <a:t>The source is also translated to 10 mm</a:t>
+            </a:r>
+          </a:p>
+          <a:p>
+            <a:endParaRPr lang="en-US" sz="3200" dirty="0"/>
+          </a:p>
+          <a:p>
+            <a:r>
+              <a:rPr lang="en-US" sz="3200" dirty="0"/>
+              <a:t>The rotational position of the LMFE is nominally at </a:t>
+            </a:r>
+            <a:br>
+              <a:rPr lang="en-US" sz="3200" dirty="0"/>
+            </a:br>
+            <a:r>
+              <a:rPr lang="en-US" sz="2800" dirty="0">
+                <a:latin typeface="Courier" pitchFamily="2" charset="0"/>
+              </a:rPr>
+              <a:t>&lt;rotation name="OPPI1_diving_board_volume_Rotation" z=”(</a:t>
+            </a:r>
+            <a:r>
+              <a:rPr lang="en-US" sz="2800" b="1" dirty="0">
+                <a:latin typeface="Courier" pitchFamily="2" charset="0"/>
+              </a:rPr>
+              <a:t>180-17.92)" </a:t>
+            </a:r>
+            <a:r>
+              <a:rPr lang="en-US" sz="2800" dirty="0">
+                <a:latin typeface="Courier" pitchFamily="2" charset="0"/>
+              </a:rPr>
+              <a:t>unit="</a:t>
+            </a:r>
+            <a:r>
+              <a:rPr lang="en-US" sz="2800" dirty="0" err="1">
+                <a:latin typeface="Courier" pitchFamily="2" charset="0"/>
+              </a:rPr>
+              <a:t>deg</a:t>
+            </a:r>
+            <a:r>
+              <a:rPr lang="en-US" sz="2800" dirty="0">
+                <a:latin typeface="Courier" pitchFamily="2" charset="0"/>
+              </a:rPr>
+              <a:t>"/&gt;</a:t>
+            </a:r>
+            <a:br>
+              <a:rPr lang="en-US" sz="3200" dirty="0">
+                <a:latin typeface="Courier" pitchFamily="2" charset="0"/>
+              </a:rPr>
+            </a:br>
+            <a:r>
+              <a:rPr lang="en-US" sz="2800" dirty="0"/>
+              <a:t>(see </a:t>
+            </a:r>
+            <a:r>
+              <a:rPr lang="en-US" sz="2800" dirty="0" err="1"/>
+              <a:t>sims_rotaryRotation.pptx</a:t>
+            </a:r>
+            <a:r>
+              <a:rPr lang="en-US" sz="2800" dirty="0"/>
+              <a:t> for details)</a:t>
+            </a:r>
+            <a:endParaRPr lang="en-US" sz="3200" dirty="0"/>
+          </a:p>
+        </p:txBody>
+      </p:sp>
+      <p:cxnSp>
+        <p:nvCxnSpPr>
+          <p:cNvPr id="13" name="Straight Arrow Connector 12">
+            <a:extLst>
+              <a:ext uri="{FF2B5EF4-FFF2-40B4-BE49-F238E27FC236}">
+                <a16:creationId xmlns:a16="http://schemas.microsoft.com/office/drawing/2014/main" id="{793AE48F-6969-1540-A021-15474475C009}"/>
+              </a:ext>
+            </a:extLst>
+          </p:cNvPr>
+          <p:cNvCxnSpPr>
+            <a:cxnSpLocks/>
+          </p:cNvCxnSpPr>
+          <p:nvPr/>
+        </p:nvCxnSpPr>
+        <p:spPr>
+          <a:xfrm>
+            <a:off x="3781339" y="4241549"/>
+            <a:ext cx="0" cy="4310113"/>
+          </a:xfrm>
+          <a:prstGeom prst="straightConnector1">
+            <a:avLst/>
+          </a:prstGeom>
+          <a:ln w="47625">
+            <a:solidFill>
+              <a:schemeClr val="tx1"/>
+            </a:solidFill>
+            <a:headEnd type="triangle"/>
+            <a:tailEnd type="triangle"/>
+          </a:ln>
+        </p:spPr>
+        <p:style>
+          <a:lnRef idx="1">
+            <a:schemeClr val="accent1"/>
+          </a:lnRef>
+          <a:fillRef idx="0">
+            <a:schemeClr val="accent1"/>
+          </a:fillRef>
+          <a:effectRef idx="0">
+            <a:schemeClr val="accent1"/>
+          </a:effectRef>
+          <a:fontRef idx="minor">
+            <a:schemeClr val="tx1"/>
+          </a:fontRef>
+        </p:style>
+      </p:cxnSp>
+      <p:sp>
+        <p:nvSpPr>
+          <p:cNvPr id="14" name="TextBox 13">
+            <a:extLst>
+              <a:ext uri="{FF2B5EF4-FFF2-40B4-BE49-F238E27FC236}">
+                <a16:creationId xmlns:a16="http://schemas.microsoft.com/office/drawing/2014/main" id="{FEAEF400-62AD-4A4A-A103-65FE86B47784}"/>
+              </a:ext>
+            </a:extLst>
+          </p:cNvPr>
+          <p:cNvSpPr txBox="1"/>
+          <p:nvPr/>
+        </p:nvSpPr>
+        <p:spPr>
+          <a:xfrm>
+            <a:off x="2902733" y="6104217"/>
+            <a:ext cx="1757212" cy="584775"/>
+          </a:xfrm>
+          <a:prstGeom prst="rect">
+            <a:avLst/>
+          </a:prstGeom>
+          <a:solidFill>
+            <a:schemeClr val="bg1"/>
+          </a:solidFill>
+        </p:spPr>
+        <p:txBody>
+          <a:bodyPr wrap="none" rtlCol="0">
+            <a:spAutoFit/>
+          </a:bodyPr>
+          <a:lstStyle/>
+          <a:p>
+            <a:r>
+              <a:rPr lang="en-US" sz="3200" dirty="0"/>
+              <a:t>22.0 mm </a:t>
+            </a:r>
+          </a:p>
+        </p:txBody>
+      </p:sp>
+      <p:cxnSp>
+        <p:nvCxnSpPr>
+          <p:cNvPr id="17" name="Straight Arrow Connector 16">
+            <a:extLst>
+              <a:ext uri="{FF2B5EF4-FFF2-40B4-BE49-F238E27FC236}">
+                <a16:creationId xmlns:a16="http://schemas.microsoft.com/office/drawing/2014/main" id="{DA1E53EA-C125-EC4C-8941-07A0E2B27A4F}"/>
+              </a:ext>
+            </a:extLst>
+          </p:cNvPr>
+          <p:cNvCxnSpPr>
+            <a:cxnSpLocks/>
+          </p:cNvCxnSpPr>
+          <p:nvPr/>
+        </p:nvCxnSpPr>
+        <p:spPr>
+          <a:xfrm>
+            <a:off x="7392356" y="7991224"/>
+            <a:ext cx="0" cy="560438"/>
+          </a:xfrm>
+          <a:prstGeom prst="straightConnector1">
+            <a:avLst/>
+          </a:prstGeom>
+          <a:ln w="47625">
+            <a:solidFill>
+              <a:schemeClr val="tx1"/>
+            </a:solidFill>
+            <a:headEnd type="triangle"/>
+            <a:tailEnd type="triangle"/>
+          </a:ln>
+        </p:spPr>
+        <p:style>
+          <a:lnRef idx="1">
+            <a:schemeClr val="accent1"/>
+          </a:lnRef>
+          <a:fillRef idx="0">
+            <a:schemeClr val="accent1"/>
+          </a:fillRef>
+          <a:effectRef idx="0">
+            <a:schemeClr val="accent1"/>
+          </a:effectRef>
+          <a:fontRef idx="minor">
+            <a:schemeClr val="tx1"/>
+          </a:fontRef>
+        </p:style>
+      </p:cxnSp>
+      <p:sp>
+        <p:nvSpPr>
+          <p:cNvPr id="24" name="TextBox 23">
+            <a:extLst>
+              <a:ext uri="{FF2B5EF4-FFF2-40B4-BE49-F238E27FC236}">
+                <a16:creationId xmlns:a16="http://schemas.microsoft.com/office/drawing/2014/main" id="{C347C636-772B-2B4F-832F-F783F8F97CA3}"/>
+              </a:ext>
+            </a:extLst>
+          </p:cNvPr>
+          <p:cNvSpPr txBox="1"/>
+          <p:nvPr/>
+        </p:nvSpPr>
+        <p:spPr>
+          <a:xfrm>
+            <a:off x="5360617" y="3520871"/>
+            <a:ext cx="1462690" cy="523220"/>
+          </a:xfrm>
+          <a:prstGeom prst="rect">
+            <a:avLst/>
+          </a:prstGeom>
+          <a:noFill/>
+        </p:spPr>
+        <p:txBody>
+          <a:bodyPr wrap="square" rtlCol="0">
+            <a:spAutoFit/>
+          </a:bodyPr>
+          <a:lstStyle/>
+          <a:p>
+            <a:r>
+              <a:rPr lang="en-US" sz="2800" dirty="0"/>
+              <a:t>(0, 0, 0)</a:t>
+            </a:r>
+          </a:p>
+        </p:txBody>
+      </p:sp>
+      <p:cxnSp>
+        <p:nvCxnSpPr>
+          <p:cNvPr id="25" name="Straight Connector 24">
+            <a:extLst>
+              <a:ext uri="{FF2B5EF4-FFF2-40B4-BE49-F238E27FC236}">
+                <a16:creationId xmlns:a16="http://schemas.microsoft.com/office/drawing/2014/main" id="{144A10A3-3E7C-5747-9468-449ED637EDA9}"/>
+              </a:ext>
+            </a:extLst>
+          </p:cNvPr>
+          <p:cNvCxnSpPr>
+            <a:cxnSpLocks/>
+          </p:cNvCxnSpPr>
+          <p:nvPr/>
+        </p:nvCxnSpPr>
+        <p:spPr>
+          <a:xfrm>
+            <a:off x="7106862" y="8010274"/>
+            <a:ext cx="543638" cy="0"/>
+          </a:xfrm>
+          <a:prstGeom prst="line">
+            <a:avLst/>
+          </a:prstGeom>
+          <a:ln w="57150">
+            <a:solidFill>
+              <a:schemeClr val="bg1">
+                <a:lumMod val="50000"/>
+              </a:schemeClr>
+            </a:solidFill>
+            <a:prstDash val="sysDot"/>
+          </a:ln>
+        </p:spPr>
+        <p:style>
+          <a:lnRef idx="1">
+            <a:schemeClr val="accent1"/>
+          </a:lnRef>
+          <a:fillRef idx="0">
+            <a:schemeClr val="accent1"/>
+          </a:fillRef>
+          <a:effectRef idx="0">
+            <a:schemeClr val="accent1"/>
+          </a:effectRef>
+          <a:fontRef idx="minor">
+            <a:schemeClr val="tx1"/>
+          </a:fontRef>
+        </p:style>
+      </p:cxnSp>
+      <p:cxnSp>
+        <p:nvCxnSpPr>
+          <p:cNvPr id="30" name="Straight Connector 29">
+            <a:extLst>
+              <a:ext uri="{FF2B5EF4-FFF2-40B4-BE49-F238E27FC236}">
+                <a16:creationId xmlns:a16="http://schemas.microsoft.com/office/drawing/2014/main" id="{5B914678-A0C3-CE4C-9D28-8F74A9497E25}"/>
+              </a:ext>
+            </a:extLst>
+          </p:cNvPr>
+          <p:cNvCxnSpPr>
+            <a:cxnSpLocks/>
+          </p:cNvCxnSpPr>
+          <p:nvPr/>
+        </p:nvCxnSpPr>
+        <p:spPr>
+          <a:xfrm>
+            <a:off x="647700" y="4186869"/>
+            <a:ext cx="11074887" cy="0"/>
+          </a:xfrm>
+          <a:prstGeom prst="line">
+            <a:avLst/>
+          </a:prstGeom>
+          <a:ln w="57150">
+            <a:solidFill>
+              <a:schemeClr val="bg1">
+                <a:lumMod val="50000"/>
+              </a:schemeClr>
+            </a:solidFill>
+            <a:prstDash val="sysDot"/>
+          </a:ln>
+        </p:spPr>
+        <p:style>
+          <a:lnRef idx="1">
+            <a:schemeClr val="accent1"/>
+          </a:lnRef>
+          <a:fillRef idx="0">
+            <a:schemeClr val="accent1"/>
+          </a:fillRef>
+          <a:effectRef idx="0">
+            <a:schemeClr val="accent1"/>
+          </a:effectRef>
+          <a:fontRef idx="minor">
+            <a:schemeClr val="tx1"/>
+          </a:fontRef>
+        </p:style>
+      </p:cxnSp>
+      <p:sp>
+        <p:nvSpPr>
+          <p:cNvPr id="31" name="TextBox 30">
+            <a:extLst>
+              <a:ext uri="{FF2B5EF4-FFF2-40B4-BE49-F238E27FC236}">
+                <a16:creationId xmlns:a16="http://schemas.microsoft.com/office/drawing/2014/main" id="{80798F0B-1546-3C4C-98B6-7A63630721D5}"/>
+              </a:ext>
+            </a:extLst>
+          </p:cNvPr>
+          <p:cNvSpPr txBox="1"/>
+          <p:nvPr/>
+        </p:nvSpPr>
+        <p:spPr>
+          <a:xfrm>
+            <a:off x="7528934" y="7966887"/>
+            <a:ext cx="1548822" cy="584775"/>
+          </a:xfrm>
+          <a:prstGeom prst="rect">
+            <a:avLst/>
+          </a:prstGeom>
+          <a:noFill/>
+        </p:spPr>
+        <p:txBody>
+          <a:bodyPr wrap="none" rtlCol="0">
+            <a:spAutoFit/>
+          </a:bodyPr>
+          <a:lstStyle/>
+          <a:p>
+            <a:r>
+              <a:rPr lang="en-US" sz="3200" dirty="0"/>
+              <a:t>3.0 mm </a:t>
+            </a:r>
+          </a:p>
+        </p:txBody>
+      </p:sp>
+      <p:grpSp>
+        <p:nvGrpSpPr>
+          <p:cNvPr id="32" name="Group 31">
+            <a:extLst>
+              <a:ext uri="{FF2B5EF4-FFF2-40B4-BE49-F238E27FC236}">
+                <a16:creationId xmlns:a16="http://schemas.microsoft.com/office/drawing/2014/main" id="{A1B914D6-F6AC-DB4C-8850-2DE08E277A81}"/>
+              </a:ext>
+            </a:extLst>
+          </p:cNvPr>
+          <p:cNvGrpSpPr/>
+          <p:nvPr/>
+        </p:nvGrpSpPr>
+        <p:grpSpPr>
+          <a:xfrm>
+            <a:off x="5928217" y="8813009"/>
+            <a:ext cx="463550" cy="393700"/>
+            <a:chOff x="6013183" y="3111500"/>
+            <a:chExt cx="463550" cy="393700"/>
+          </a:xfrm>
+          <a:solidFill>
+            <a:srgbClr val="FF0000"/>
+          </a:solidFill>
+        </p:grpSpPr>
+        <p:sp>
+          <p:nvSpPr>
+            <p:cNvPr id="33" name="Oval 32">
+              <a:extLst>
+                <a:ext uri="{FF2B5EF4-FFF2-40B4-BE49-F238E27FC236}">
+                  <a16:creationId xmlns:a16="http://schemas.microsoft.com/office/drawing/2014/main" id="{CAD49CD9-79DD-6A46-ACF4-B6E8AA495C2E}"/>
+                </a:ext>
+              </a:extLst>
+            </p:cNvPr>
+            <p:cNvSpPr>
+              <a:spLocks noChangeAspect="1"/>
+            </p:cNvSpPr>
+            <p:nvPr/>
+          </p:nvSpPr>
+          <p:spPr>
+            <a:xfrm>
+              <a:off x="6178283" y="3263290"/>
+              <a:ext cx="91440" cy="91440"/>
+            </a:xfrm>
+            <a:prstGeom prst="ellipse">
+              <a:avLst/>
+            </a:prstGeom>
+            <a:grpFill/>
+            <a:ln w="25400">
+              <a:solidFill>
+                <a:srgbClr val="FF0000"/>
+              </a:solidFill>
+            </a:ln>
+          </p:spPr>
+          <p:style>
+            <a:lnRef idx="2">
+              <a:schemeClr val="accent1">
+                <a:shade val="50000"/>
+              </a:schemeClr>
+            </a:lnRef>
+            <a:fillRef idx="1">
+              <a:schemeClr val="accent1"/>
+            </a:fillRef>
+            <a:effectRef idx="0">
+              <a:schemeClr val="accent1"/>
+            </a:effectRef>
+            <a:fontRef idx="minor">
+              <a:schemeClr val="lt1"/>
+            </a:fontRef>
+          </p:style>
+          <p:txBody>
+            <a:bodyPr rtlCol="0" anchor="ctr"/>
+            <a:lstStyle/>
+            <a:p>
+              <a:pPr algn="ctr"/>
+              <a:endParaRPr lang="en-US"/>
+            </a:p>
+          </p:txBody>
+        </p:sp>
+        <p:cxnSp>
+          <p:nvCxnSpPr>
+            <p:cNvPr id="34" name="Straight Connector 33">
+              <a:extLst>
+                <a:ext uri="{FF2B5EF4-FFF2-40B4-BE49-F238E27FC236}">
+                  <a16:creationId xmlns:a16="http://schemas.microsoft.com/office/drawing/2014/main" id="{876C638E-E3E6-2741-AE52-1812699C0E25}"/>
+                </a:ext>
+              </a:extLst>
+            </p:cNvPr>
+            <p:cNvCxnSpPr>
+              <a:cxnSpLocks/>
+            </p:cNvCxnSpPr>
+            <p:nvPr/>
+          </p:nvCxnSpPr>
+          <p:spPr>
+            <a:xfrm>
+              <a:off x="6219201" y="3111500"/>
+              <a:ext cx="0" cy="393700"/>
+            </a:xfrm>
+            <a:prstGeom prst="line">
+              <a:avLst/>
+            </a:prstGeom>
+            <a:grpFill/>
+            <a:ln w="25400">
+              <a:solidFill>
+                <a:srgbClr val="FF0000"/>
+              </a:solidFill>
+            </a:ln>
+          </p:spPr>
+          <p:style>
+            <a:lnRef idx="1">
+              <a:schemeClr val="accent1"/>
+            </a:lnRef>
+            <a:fillRef idx="0">
+              <a:schemeClr val="accent1"/>
+            </a:fillRef>
+            <a:effectRef idx="0">
+              <a:schemeClr val="accent1"/>
+            </a:effectRef>
+            <a:fontRef idx="minor">
+              <a:schemeClr val="tx1"/>
+            </a:fontRef>
+          </p:style>
+        </p:cxnSp>
+        <p:cxnSp>
+          <p:nvCxnSpPr>
+            <p:cNvPr id="35" name="Straight Connector 34">
+              <a:extLst>
+                <a:ext uri="{FF2B5EF4-FFF2-40B4-BE49-F238E27FC236}">
+                  <a16:creationId xmlns:a16="http://schemas.microsoft.com/office/drawing/2014/main" id="{DFFE43DA-B4D5-2E41-9600-BBEF4FB9A0AB}"/>
+                </a:ext>
+              </a:extLst>
+            </p:cNvPr>
+            <p:cNvCxnSpPr>
+              <a:cxnSpLocks/>
+            </p:cNvCxnSpPr>
+            <p:nvPr/>
+          </p:nvCxnSpPr>
+          <p:spPr>
+            <a:xfrm>
+              <a:off x="6013183" y="3308350"/>
+              <a:ext cx="463550" cy="0"/>
+            </a:xfrm>
+            <a:prstGeom prst="line">
+              <a:avLst/>
+            </a:prstGeom>
+            <a:grpFill/>
+            <a:ln w="25400">
+              <a:solidFill>
+                <a:srgbClr val="FF0000"/>
+              </a:solidFill>
+            </a:ln>
+          </p:spPr>
+          <p:style>
+            <a:lnRef idx="1">
+              <a:schemeClr val="accent1"/>
+            </a:lnRef>
+            <a:fillRef idx="0">
+              <a:schemeClr val="accent1"/>
+            </a:fillRef>
+            <a:effectRef idx="0">
+              <a:schemeClr val="accent1"/>
+            </a:effectRef>
+            <a:fontRef idx="minor">
+              <a:schemeClr val="tx1"/>
+            </a:fontRef>
+          </p:style>
+        </p:cxnSp>
+      </p:grpSp>
+      <p:sp>
+        <p:nvSpPr>
+          <p:cNvPr id="36" name="TextBox 35">
+            <a:extLst>
+              <a:ext uri="{FF2B5EF4-FFF2-40B4-BE49-F238E27FC236}">
+                <a16:creationId xmlns:a16="http://schemas.microsoft.com/office/drawing/2014/main" id="{8F57322D-8168-9942-8FD4-CC1B0C140606}"/>
+              </a:ext>
+            </a:extLst>
+          </p:cNvPr>
+          <p:cNvSpPr txBox="1"/>
+          <p:nvPr/>
+        </p:nvSpPr>
+        <p:spPr>
+          <a:xfrm>
+            <a:off x="6432685" y="8813009"/>
+            <a:ext cx="2082665" cy="523220"/>
+          </a:xfrm>
+          <a:prstGeom prst="rect">
+            <a:avLst/>
+          </a:prstGeom>
+          <a:noFill/>
+        </p:spPr>
+        <p:txBody>
+          <a:bodyPr wrap="square" rtlCol="0">
+            <a:spAutoFit/>
+          </a:bodyPr>
+          <a:lstStyle/>
+          <a:p>
+            <a:r>
+              <a:rPr lang="en-US" sz="2800" dirty="0" err="1">
+                <a:solidFill>
+                  <a:schemeClr val="bg1"/>
+                </a:solidFill>
+              </a:rPr>
+              <a:t>ring_height</a:t>
+            </a:r>
+            <a:endParaRPr lang="en-US" sz="2800" dirty="0">
+              <a:solidFill>
+                <a:schemeClr val="bg1"/>
+              </a:solidFill>
+            </a:endParaRPr>
+          </a:p>
+        </p:txBody>
+      </p:sp>
+      <p:sp>
+        <p:nvSpPr>
+          <p:cNvPr id="37" name="TextBox 36">
+            <a:extLst>
+              <a:ext uri="{FF2B5EF4-FFF2-40B4-BE49-F238E27FC236}">
+                <a16:creationId xmlns:a16="http://schemas.microsoft.com/office/drawing/2014/main" id="{F9D9C5E5-6271-D74C-A239-446DFB903D8A}"/>
+              </a:ext>
+            </a:extLst>
+          </p:cNvPr>
+          <p:cNvSpPr txBox="1"/>
+          <p:nvPr/>
+        </p:nvSpPr>
+        <p:spPr>
+          <a:xfrm>
+            <a:off x="4001712" y="473721"/>
+            <a:ext cx="4932738" cy="923330"/>
+          </a:xfrm>
+          <a:prstGeom prst="rect">
+            <a:avLst/>
+          </a:prstGeom>
+          <a:noFill/>
+        </p:spPr>
+        <p:txBody>
+          <a:bodyPr wrap="square" rtlCol="0">
+            <a:spAutoFit/>
+          </a:bodyPr>
+          <a:lstStyle/>
+          <a:p>
+            <a:r>
+              <a:rPr lang="en-US" sz="5400" dirty="0"/>
+              <a:t>LMFE Placement</a:t>
+            </a:r>
+          </a:p>
+        </p:txBody>
+      </p:sp>
+    </p:spTree>
+    <p:extLst>
+      <p:ext uri="{BB962C8B-B14F-4D97-AF65-F5344CB8AC3E}">
+        <p14:creationId xmlns:p14="http://schemas.microsoft.com/office/powerpoint/2010/main" val="3402487764"/>
       </p:ext>
     </p:extLst>
   </p:cSld>
